--- a/Software group Project –IV.pptx
+++ b/Software group Project –IV.pptx
@@ -11,7 +11,13 @@
     <p:sldId id="259" r:id="rId5"/>
     <p:sldId id="260" r:id="rId6"/>
     <p:sldId id="262" r:id="rId7"/>
-    <p:sldId id="261" r:id="rId8"/>
+    <p:sldId id="263" r:id="rId8"/>
+    <p:sldId id="264" r:id="rId9"/>
+    <p:sldId id="266" r:id="rId10"/>
+    <p:sldId id="268" r:id="rId11"/>
+    <p:sldId id="267" r:id="rId12"/>
+    <p:sldId id="265" r:id="rId13"/>
+    <p:sldId id="261" r:id="rId14"/>
   </p:sldIdLst>
   <p:sldSz cx="12192000" cy="6858000"/>
   <p:notesSz cx="6858000" cy="9144000"/>
@@ -405,7 +411,7 @@
           <a:p>
             <a:fld id="{4F994A5D-5FF8-4DD3-8166-CD93E4E8C125}" type="datetimeFigureOut">
               <a:rPr lang="en-IN" smtClean="0"/>
-              <a:t>16-09-2021</a:t>
+              <a:t>13-11-2021</a:t>
             </a:fld>
             <a:endParaRPr lang="en-IN"/>
           </a:p>
@@ -728,7 +734,7 @@
           <a:p>
             <a:fld id="{4F994A5D-5FF8-4DD3-8166-CD93E4E8C125}" type="datetimeFigureOut">
               <a:rPr lang="en-IN" smtClean="0"/>
-              <a:t>16-09-2021</a:t>
+              <a:t>13-11-2021</a:t>
             </a:fld>
             <a:endParaRPr lang="en-IN"/>
           </a:p>
@@ -1216,7 +1222,7 @@
           <a:p>
             <a:fld id="{4F994A5D-5FF8-4DD3-8166-CD93E4E8C125}" type="datetimeFigureOut">
               <a:rPr lang="en-IN" smtClean="0"/>
-              <a:t>16-09-2021</a:t>
+              <a:t>13-11-2021</a:t>
             </a:fld>
             <a:endParaRPr lang="en-IN"/>
           </a:p>
@@ -1585,7 +1591,7 @@
           <a:p>
             <a:fld id="{4F994A5D-5FF8-4DD3-8166-CD93E4E8C125}" type="datetimeFigureOut">
               <a:rPr lang="en-IN" smtClean="0"/>
-              <a:t>16-09-2021</a:t>
+              <a:t>13-11-2021</a:t>
             </a:fld>
             <a:endParaRPr lang="en-IN"/>
           </a:p>
@@ -1858,7 +1864,7 @@
           <a:p>
             <a:fld id="{4F994A5D-5FF8-4DD3-8166-CD93E4E8C125}" type="datetimeFigureOut">
               <a:rPr lang="en-IN" smtClean="0"/>
-              <a:t>16-09-2021</a:t>
+              <a:t>13-11-2021</a:t>
             </a:fld>
             <a:endParaRPr lang="en-IN"/>
           </a:p>
@@ -2143,7 +2149,7 @@
           <a:p>
             <a:fld id="{4F994A5D-5FF8-4DD3-8166-CD93E4E8C125}" type="datetimeFigureOut">
               <a:rPr lang="en-IN" smtClean="0"/>
-              <a:t>16-09-2021</a:t>
+              <a:t>13-11-2021</a:t>
             </a:fld>
             <a:endParaRPr lang="en-IN"/>
           </a:p>
@@ -2426,7 +2432,7 @@
           <a:p>
             <a:fld id="{4F994A5D-5FF8-4DD3-8166-CD93E4E8C125}" type="datetimeFigureOut">
               <a:rPr lang="en-IN" smtClean="0"/>
-              <a:t>16-09-2021</a:t>
+              <a:t>13-11-2021</a:t>
             </a:fld>
             <a:endParaRPr lang="en-IN"/>
           </a:p>
@@ -2769,7 +2775,7 @@
           <a:p>
             <a:fld id="{4F994A5D-5FF8-4DD3-8166-CD93E4E8C125}" type="datetimeFigureOut">
               <a:rPr lang="en-IN" smtClean="0"/>
-              <a:t>16-09-2021</a:t>
+              <a:t>13-11-2021</a:t>
             </a:fld>
             <a:endParaRPr lang="en-IN"/>
           </a:p>
@@ -3108,7 +3114,7 @@
           <a:p>
             <a:fld id="{4F994A5D-5FF8-4DD3-8166-CD93E4E8C125}" type="datetimeFigureOut">
               <a:rPr lang="en-IN" smtClean="0"/>
-              <a:t>16-09-2021</a:t>
+              <a:t>13-11-2021</a:t>
             </a:fld>
             <a:endParaRPr lang="en-IN"/>
           </a:p>
@@ -3585,7 +3591,7 @@
           <a:p>
             <a:fld id="{4F994A5D-5FF8-4DD3-8166-CD93E4E8C125}" type="datetimeFigureOut">
               <a:rPr lang="en-IN" smtClean="0"/>
-              <a:t>16-09-2021</a:t>
+              <a:t>13-11-2021</a:t>
             </a:fld>
             <a:endParaRPr lang="en-IN"/>
           </a:p>
@@ -3806,7 +3812,7 @@
           <a:p>
             <a:fld id="{4F994A5D-5FF8-4DD3-8166-CD93E4E8C125}" type="datetimeFigureOut">
               <a:rPr lang="en-IN" smtClean="0"/>
-              <a:t>16-09-2021</a:t>
+              <a:t>13-11-2021</a:t>
             </a:fld>
             <a:endParaRPr lang="en-IN"/>
           </a:p>
@@ -3901,7 +3907,7 @@
           <a:p>
             <a:fld id="{4F994A5D-5FF8-4DD3-8166-CD93E4E8C125}" type="datetimeFigureOut">
               <a:rPr lang="en-IN" smtClean="0"/>
-              <a:t>16-09-2021</a:t>
+              <a:t>13-11-2021</a:t>
             </a:fld>
             <a:endParaRPr lang="en-IN"/>
           </a:p>
@@ -4373,7 +4379,7 @@
           <a:p>
             <a:fld id="{4F994A5D-5FF8-4DD3-8166-CD93E4E8C125}" type="datetimeFigureOut">
               <a:rPr lang="en-IN" smtClean="0"/>
-              <a:t>16-09-2021</a:t>
+              <a:t>13-11-2021</a:t>
             </a:fld>
             <a:endParaRPr lang="en-IN"/>
           </a:p>
@@ -4691,7 +4697,7 @@
           <a:p>
             <a:fld id="{4F994A5D-5FF8-4DD3-8166-CD93E4E8C125}" type="datetimeFigureOut">
               <a:rPr lang="en-IN" smtClean="0"/>
-              <a:t>16-09-2021</a:t>
+              <a:t>13-11-2021</a:t>
             </a:fld>
             <a:endParaRPr lang="en-IN"/>
           </a:p>
@@ -4961,7 +4967,7 @@
           <a:p>
             <a:fld id="{4F994A5D-5FF8-4DD3-8166-CD93E4E8C125}" type="datetimeFigureOut">
               <a:rPr lang="en-IN" smtClean="0"/>
-              <a:t>16-09-2021</a:t>
+              <a:t>13-11-2021</a:t>
             </a:fld>
             <a:endParaRPr lang="en-IN"/>
           </a:p>
@@ -5439,6 +5445,13 @@
             </a:br>
             <a:r>
               <a:rPr lang="en-IN" sz="3200" dirty="0" smtClean="0"/>
+              <a:t>Stress Index Calculation Of different countries - research</a:t>
+            </a:r>
+            <a:br>
+              <a:rPr lang="en-IN" sz="3200" dirty="0" smtClean="0"/>
+            </a:br>
+            <a:r>
+              <a:rPr lang="en-IN" sz="3200" dirty="0" smtClean="0"/>
               <a:t>Guided By:</a:t>
             </a:r>
             <a:r>
@@ -5536,6 +5549,601 @@
     <p:extLst>
       <p:ext uri="{BB962C8B-B14F-4D97-AF65-F5344CB8AC3E}">
         <p14:creationId xmlns:p14="http://schemas.microsoft.com/office/powerpoint/2010/main" val="4066959047"/>
+      </p:ext>
+    </p:extLst>
+  </p:cSld>
+  <p:clrMapOvr>
+    <a:masterClrMapping/>
+  </p:clrMapOvr>
+  <p:timing>
+    <p:tnLst>
+      <p:par>
+        <p:cTn id="1" dur="indefinite" restart="never" nodeType="tmRoot"/>
+      </p:par>
+    </p:tnLst>
+  </p:timing>
+</p:sld>
+</file>
+
+<file path=ppt/slides/slide10.xml><?xml version="1.0" encoding="utf-8"?>
+<p:sld xmlns:a="http://schemas.openxmlformats.org/drawingml/2006/main" xmlns:r="http://schemas.openxmlformats.org/officeDocument/2006/relationships" xmlns:p="http://schemas.openxmlformats.org/presentationml/2006/main">
+  <p:cSld>
+    <p:spTree>
+      <p:nvGrpSpPr>
+        <p:cNvPr id="1" name=""/>
+        <p:cNvGrpSpPr/>
+        <p:nvPr/>
+      </p:nvGrpSpPr>
+      <p:grpSpPr>
+        <a:xfrm>
+          <a:off x="0" y="0"/>
+          <a:ext cx="0" cy="0"/>
+          <a:chOff x="0" y="0"/>
+          <a:chExt cx="0" cy="0"/>
+        </a:xfrm>
+      </p:grpSpPr>
+      <p:sp>
+        <p:nvSpPr>
+          <p:cNvPr id="2" name="Title 1"/>
+          <p:cNvSpPr>
+            <a:spLocks noGrp="1"/>
+          </p:cNvSpPr>
+          <p:nvPr>
+            <p:ph type="title"/>
+          </p:nvPr>
+        </p:nvSpPr>
+        <p:spPr/>
+        <p:txBody>
+          <a:bodyPr/>
+          <a:lstStyle/>
+          <a:p>
+            <a:r>
+              <a:rPr lang="en-IN" dirty="0" smtClean="0"/>
+              <a:t>Factors affecting value of data</a:t>
+            </a:r>
+            <a:endParaRPr lang="en-IN" dirty="0"/>
+          </a:p>
+        </p:txBody>
+      </p:sp>
+      <p:sp>
+        <p:nvSpPr>
+          <p:cNvPr id="3" name="Content Placeholder 2"/>
+          <p:cNvSpPr>
+            <a:spLocks noGrp="1"/>
+          </p:cNvSpPr>
+          <p:nvPr>
+            <p:ph idx="1"/>
+          </p:nvPr>
+        </p:nvSpPr>
+        <p:spPr/>
+        <p:txBody>
+          <a:bodyPr/>
+          <a:lstStyle/>
+          <a:p>
+            <a:r>
+              <a:rPr lang="en-US" dirty="0"/>
+              <a:t>Another great way to estimate the worth of a user data is to calculate the amount in cash equivalent after an acquisition. Microsoft, for instance, acquired LinkedIn for a $26.2 billion cash deal. At the time of the acquisition, the professional business-oriented site had a membership count of over 400 million users.</a:t>
+            </a:r>
+          </a:p>
+          <a:p>
+            <a:r>
+              <a:rPr lang="en-US" dirty="0"/>
+              <a:t>Going with this information, it is safe to say that a single user data point was valued at an estimated $65 per user in the purchase.</a:t>
+            </a:r>
+          </a:p>
+          <a:p>
+            <a:r>
+              <a:rPr lang="en-US" dirty="0"/>
+              <a:t>Following this logic, a popular social media giant, Facebook acquired </a:t>
+            </a:r>
+            <a:r>
+              <a:rPr lang="en-US" dirty="0" smtClean="0"/>
+              <a:t>WhatsApp</a:t>
+            </a:r>
+            <a:r>
+              <a:rPr lang="en-US" dirty="0"/>
+              <a:t> </a:t>
+            </a:r>
+            <a:r>
+              <a:rPr lang="en-US" dirty="0" smtClean="0"/>
+              <a:t>for </a:t>
+            </a:r>
+            <a:r>
+              <a:rPr lang="en-US" dirty="0"/>
+              <a:t>$19.6 billion. That means Facebook paid $39.6 for each of WhatsApp’s 500 million users. The value of user data could vary but depends heavily on the earning potential expected from each user.</a:t>
+            </a:r>
+          </a:p>
+          <a:p>
+            <a:endParaRPr lang="en-IN" dirty="0"/>
+          </a:p>
+        </p:txBody>
+      </p:sp>
+    </p:spTree>
+    <p:extLst>
+      <p:ext uri="{BB962C8B-B14F-4D97-AF65-F5344CB8AC3E}">
+        <p14:creationId xmlns:p14="http://schemas.microsoft.com/office/powerpoint/2010/main" val="157476219"/>
+      </p:ext>
+    </p:extLst>
+  </p:cSld>
+  <p:clrMapOvr>
+    <a:masterClrMapping/>
+  </p:clrMapOvr>
+</p:sld>
+</file>
+
+<file path=ppt/slides/slide11.xml><?xml version="1.0" encoding="utf-8"?>
+<p:sld xmlns:a="http://schemas.openxmlformats.org/drawingml/2006/main" xmlns:r="http://schemas.openxmlformats.org/officeDocument/2006/relationships" xmlns:p="http://schemas.openxmlformats.org/presentationml/2006/main">
+  <p:cSld>
+    <p:spTree>
+      <p:nvGrpSpPr>
+        <p:cNvPr id="1" name=""/>
+        <p:cNvGrpSpPr/>
+        <p:nvPr/>
+      </p:nvGrpSpPr>
+      <p:grpSpPr>
+        <a:xfrm>
+          <a:off x="0" y="0"/>
+          <a:ext cx="0" cy="0"/>
+          <a:chOff x="0" y="0"/>
+          <a:chExt cx="0" cy="0"/>
+        </a:xfrm>
+      </p:grpSpPr>
+      <p:sp>
+        <p:nvSpPr>
+          <p:cNvPr id="2" name="Title 1"/>
+          <p:cNvSpPr>
+            <a:spLocks noGrp="1"/>
+          </p:cNvSpPr>
+          <p:nvPr>
+            <p:ph type="title"/>
+          </p:nvPr>
+        </p:nvSpPr>
+        <p:spPr/>
+        <p:txBody>
+          <a:bodyPr/>
+          <a:lstStyle/>
+          <a:p>
+            <a:r>
+              <a:rPr lang="en-IN" dirty="0" smtClean="0"/>
+              <a:t>Let’s see how</a:t>
+            </a:r>
+            <a:endParaRPr lang="en-IN" dirty="0"/>
+          </a:p>
+        </p:txBody>
+      </p:sp>
+      <p:sp>
+        <p:nvSpPr>
+          <p:cNvPr id="3" name="Content Placeholder 2"/>
+          <p:cNvSpPr>
+            <a:spLocks noGrp="1"/>
+          </p:cNvSpPr>
+          <p:nvPr>
+            <p:ph idx="1"/>
+          </p:nvPr>
+        </p:nvSpPr>
+        <p:spPr/>
+        <p:txBody>
+          <a:bodyPr>
+            <a:normAutofit fontScale="92500" lnSpcReduction="20000"/>
+          </a:bodyPr>
+          <a:lstStyle/>
+          <a:p>
+            <a:endParaRPr lang="en-US" dirty="0" smtClean="0"/>
+          </a:p>
+          <a:p>
+            <a:r>
+              <a:rPr lang="en-US" dirty="0" smtClean="0"/>
+              <a:t>Just </a:t>
+            </a:r>
+            <a:r>
+              <a:rPr lang="en-US" dirty="0"/>
+              <a:t>like Amazon, Starwood hotels (one of the brands under Marriott hotels) also use dynamic pricing. It is changing based on a variety of factors such as local and global economic situation, weather, availability and reservation behavior, cancellations and many others – this tactic resulted in a 5% revenue increase per room</a:t>
+            </a:r>
+            <a:r>
+              <a:rPr lang="en-US" dirty="0" smtClean="0"/>
+              <a:t>.</a:t>
+            </a:r>
+          </a:p>
+          <a:p>
+            <a:r>
+              <a:rPr lang="en-US" dirty="0"/>
+              <a:t>They go so deep with utilizing data that they even follow if famous musicians are playing at the Madison Square Garden so they could adjust their rates at their nearby hotels.</a:t>
+            </a:r>
+          </a:p>
+          <a:p>
+            <a:r>
+              <a:rPr lang="en-US" dirty="0"/>
+              <a:t>To create a better customer experience, they also started testing out facial recognition check-ins which looks like a win-win scenario – their guests don’t need to wait at the reception desk anymore, and the hotel gathers even more valuable information. Another element they implemented to gather data is putting Amazon </a:t>
+            </a:r>
+            <a:r>
+              <a:rPr lang="en-US" dirty="0" err="1"/>
+              <a:t>Echos</a:t>
+            </a:r>
+            <a:r>
+              <a:rPr lang="en-US" dirty="0"/>
+              <a:t> into the rooms – this allows guests to make Alexa handle everything that was previously handled by the reception staff. Now guests can get all the information they want, while Marriott gets the knowledge of their customer’s preferences, needs and potential concerns.</a:t>
+            </a:r>
+          </a:p>
+          <a:p>
+            <a:endParaRPr lang="en-US" dirty="0" smtClean="0"/>
+          </a:p>
+          <a:p>
+            <a:endParaRPr lang="en-IN" dirty="0"/>
+          </a:p>
+        </p:txBody>
+      </p:sp>
+      <p:pic>
+        <p:nvPicPr>
+          <p:cNvPr id="2050" name="Picture 2" descr="https://bornfight.com/wp-content/uploads/2020/04/bornfight_blog_tudor_bigdata_body02.jpg"/>
+          <p:cNvPicPr>
+            <a:picLocks noChangeAspect="1" noChangeArrowheads="1"/>
+          </p:cNvPicPr>
+          <p:nvPr/>
+        </p:nvPicPr>
+        <p:blipFill>
+          <a:blip r:embed="rId2" cstate="print">
+            <a:extLst>
+              <a:ext uri="{28A0092B-C50C-407E-A947-70E740481C1C}">
+                <a14:useLocalDpi xmlns:a14="http://schemas.microsoft.com/office/drawing/2010/main" val="0"/>
+              </a:ext>
+            </a:extLst>
+          </a:blip>
+          <a:srcRect/>
+          <a:stretch>
+            <a:fillRect/>
+          </a:stretch>
+        </p:blipFill>
+        <p:spPr bwMode="auto">
+          <a:xfrm>
+            <a:off x="9429975" y="321925"/>
+            <a:ext cx="2424446" cy="1363751"/>
+          </a:xfrm>
+          <a:prstGeom prst="rect">
+            <a:avLst/>
+          </a:prstGeom>
+          <a:noFill/>
+          <a:extLst>
+            <a:ext uri="{909E8E84-426E-40DD-AFC4-6F175D3DCCD1}">
+              <a14:hiddenFill xmlns:a14="http://schemas.microsoft.com/office/drawing/2010/main">
+                <a:solidFill>
+                  <a:srgbClr val="FFFFFF"/>
+                </a:solidFill>
+              </a14:hiddenFill>
+            </a:ext>
+          </a:extLst>
+        </p:spPr>
+      </p:pic>
+    </p:spTree>
+    <p:extLst>
+      <p:ext uri="{BB962C8B-B14F-4D97-AF65-F5344CB8AC3E}">
+        <p14:creationId xmlns:p14="http://schemas.microsoft.com/office/powerpoint/2010/main" val="3765264094"/>
+      </p:ext>
+    </p:extLst>
+  </p:cSld>
+  <p:clrMapOvr>
+    <a:masterClrMapping/>
+  </p:clrMapOvr>
+</p:sld>
+</file>
+
+<file path=ppt/slides/slide12.xml><?xml version="1.0" encoding="utf-8"?>
+<p:sld xmlns:a="http://schemas.openxmlformats.org/drawingml/2006/main" xmlns:r="http://schemas.openxmlformats.org/officeDocument/2006/relationships" xmlns:p="http://schemas.openxmlformats.org/presentationml/2006/main">
+  <p:cSld>
+    <p:spTree>
+      <p:nvGrpSpPr>
+        <p:cNvPr id="1" name=""/>
+        <p:cNvGrpSpPr/>
+        <p:nvPr/>
+      </p:nvGrpSpPr>
+      <p:grpSpPr>
+        <a:xfrm>
+          <a:off x="0" y="0"/>
+          <a:ext cx="0" cy="0"/>
+          <a:chOff x="0" y="0"/>
+          <a:chExt cx="0" cy="0"/>
+        </a:xfrm>
+      </p:grpSpPr>
+      <p:sp>
+        <p:nvSpPr>
+          <p:cNvPr id="2" name="Title 1"/>
+          <p:cNvSpPr>
+            <a:spLocks noGrp="1"/>
+          </p:cNvSpPr>
+          <p:nvPr>
+            <p:ph type="title"/>
+          </p:nvPr>
+        </p:nvSpPr>
+        <p:spPr/>
+        <p:txBody>
+          <a:bodyPr/>
+          <a:lstStyle/>
+          <a:p>
+            <a:r>
+              <a:rPr lang="en-IN" dirty="0" smtClean="0"/>
+              <a:t>Recent</a:t>
+            </a:r>
+            <a:endParaRPr lang="en-IN" dirty="0"/>
+          </a:p>
+        </p:txBody>
+      </p:sp>
+      <p:sp>
+        <p:nvSpPr>
+          <p:cNvPr id="3" name="Content Placeholder 2"/>
+          <p:cNvSpPr>
+            <a:spLocks noGrp="1"/>
+          </p:cNvSpPr>
+          <p:nvPr>
+            <p:ph idx="1"/>
+          </p:nvPr>
+        </p:nvSpPr>
+        <p:spPr/>
+        <p:txBody>
+          <a:bodyPr>
+            <a:normAutofit fontScale="92500" lnSpcReduction="20000"/>
+          </a:bodyPr>
+          <a:lstStyle/>
+          <a:p>
+            <a:endParaRPr lang="en-US" b="1" i="1" u="sng" dirty="0" smtClean="0"/>
+          </a:p>
+          <a:p>
+            <a:r>
+              <a:rPr lang="en-US" b="1" i="1" u="sng" dirty="0" smtClean="0">
+                <a:solidFill>
+                  <a:srgbClr val="FF0000"/>
+                </a:solidFill>
+              </a:rPr>
+              <a:t>BRITISH </a:t>
+            </a:r>
+            <a:r>
+              <a:rPr lang="en-US" b="1" i="1" u="sng" dirty="0">
+                <a:solidFill>
+                  <a:srgbClr val="FF0000"/>
+                </a:solidFill>
+              </a:rPr>
+              <a:t>AIRWAYS</a:t>
+            </a:r>
+            <a:r>
+              <a:rPr lang="en-US" b="1" i="1" dirty="0"/>
+              <a:t>:</a:t>
+            </a:r>
+            <a:r>
+              <a:rPr lang="en-US" dirty="0"/>
+              <a:t> “Know Me” program combines already existing loyalty information with the data collected from customers based on their online behavior. With the blending of these two sources of information, British Airways can make more targeted offers while responding to service lapses in ways to create a more positive experience for the flyer.</a:t>
+            </a:r>
+          </a:p>
+          <a:p>
+            <a:r>
+              <a:rPr lang="en-US" b="1" i="1" u="sng" dirty="0">
+                <a:solidFill>
+                  <a:srgbClr val="FF0000"/>
+                </a:solidFill>
+              </a:rPr>
+              <a:t>AMERICAN EXPRESS</a:t>
+            </a:r>
+            <a:r>
+              <a:rPr lang="en-US" b="1" i="1" dirty="0"/>
+              <a:t>:</a:t>
+            </a:r>
+            <a:r>
+              <a:rPr lang="en-US" dirty="0"/>
+              <a:t> Starts looking for indicators that could predict loyalty and developed sophisticated predictive models to analyze historical transactions and 115 variables to forecast potential churn. The company believes it can now identify 24% of accounts that will close within the next four months.</a:t>
+            </a:r>
+          </a:p>
+          <a:p>
+            <a:r>
+              <a:rPr lang="en-US" b="1" i="1" u="sng" dirty="0">
+                <a:solidFill>
+                  <a:srgbClr val="FF0000"/>
+                </a:solidFill>
+              </a:rPr>
+              <a:t>EBAY</a:t>
+            </a:r>
+            <a:r>
+              <a:rPr lang="en-US" b="1" i="1" dirty="0"/>
+              <a:t>:</a:t>
+            </a:r>
+            <a:r>
+              <a:rPr lang="en-US" dirty="0"/>
+              <a:t> “the Feed” is a new homepage that allows customers to follow entire categories of items no matter how obscure. This makes it easier for customers to stay on top of the latest items they have a particular interest, especially if they are collectors.</a:t>
+            </a:r>
+          </a:p>
+          <a:p>
+            <a:r>
+              <a:rPr lang="en-US" b="1" i="1" u="sng" dirty="0">
+                <a:solidFill>
+                  <a:srgbClr val="FF0000"/>
+                </a:solidFill>
+              </a:rPr>
+              <a:t>GOOGLE</a:t>
+            </a:r>
+            <a:r>
+              <a:rPr lang="en-US" b="1" i="1" dirty="0"/>
+              <a:t>:</a:t>
+            </a:r>
+            <a:r>
+              <a:rPr lang="en-US" dirty="0"/>
+              <a:t> Working with the U.S. Centers for Disease Control, tracks when users are inputting search terms related to flu topics, to help predict which regions may experience outbreaks.</a:t>
+            </a:r>
+          </a:p>
+          <a:p>
+            <a:endParaRPr lang="en-IN" dirty="0"/>
+          </a:p>
+        </p:txBody>
+      </p:sp>
+    </p:spTree>
+    <p:extLst>
+      <p:ext uri="{BB962C8B-B14F-4D97-AF65-F5344CB8AC3E}">
+        <p14:creationId xmlns:p14="http://schemas.microsoft.com/office/powerpoint/2010/main" val="2766882426"/>
+      </p:ext>
+    </p:extLst>
+  </p:cSld>
+  <p:clrMapOvr>
+    <a:masterClrMapping/>
+  </p:clrMapOvr>
+</p:sld>
+</file>
+
+<file path=ppt/slides/slide13.xml><?xml version="1.0" encoding="utf-8"?>
+<p:sld xmlns:a="http://schemas.openxmlformats.org/drawingml/2006/main" xmlns:r="http://schemas.openxmlformats.org/officeDocument/2006/relationships" xmlns:p="http://schemas.openxmlformats.org/presentationml/2006/main">
+  <p:cSld>
+    <p:spTree>
+      <p:nvGrpSpPr>
+        <p:cNvPr id="1" name=""/>
+        <p:cNvGrpSpPr/>
+        <p:nvPr/>
+      </p:nvGrpSpPr>
+      <p:grpSpPr>
+        <a:xfrm>
+          <a:off x="0" y="0"/>
+          <a:ext cx="0" cy="0"/>
+          <a:chOff x="0" y="0"/>
+          <a:chExt cx="0" cy="0"/>
+        </a:xfrm>
+      </p:grpSpPr>
+      <p:sp>
+        <p:nvSpPr>
+          <p:cNvPr id="2" name="Title 1"/>
+          <p:cNvSpPr>
+            <a:spLocks noGrp="1"/>
+          </p:cNvSpPr>
+          <p:nvPr>
+            <p:ph type="title"/>
+          </p:nvPr>
+        </p:nvSpPr>
+        <p:spPr>
+          <a:xfrm>
+            <a:off x="0" y="413507"/>
+            <a:ext cx="10571998" cy="970450"/>
+          </a:xfrm>
+        </p:spPr>
+        <p:txBody>
+          <a:bodyPr/>
+          <a:lstStyle/>
+          <a:p>
+            <a:r>
+              <a:rPr lang="en-IN" dirty="0" smtClean="0"/>
+              <a:t>Thank You! </a:t>
+            </a:r>
+            <a:endParaRPr lang="en-IN" dirty="0"/>
+          </a:p>
+        </p:txBody>
+      </p:sp>
+      <p:pic>
+        <p:nvPicPr>
+          <p:cNvPr id="4" name="Picture 3"/>
+          <p:cNvPicPr>
+            <a:picLocks noChangeAspect="1"/>
+          </p:cNvPicPr>
+          <p:nvPr/>
+        </p:nvPicPr>
+        <p:blipFill>
+          <a:blip r:embed="rId2"/>
+          <a:stretch>
+            <a:fillRect/>
+          </a:stretch>
+        </p:blipFill>
+        <p:spPr>
+          <a:xfrm>
+            <a:off x="233647" y="2718486"/>
+            <a:ext cx="4638914" cy="3319849"/>
+          </a:xfrm>
+          <a:prstGeom prst="rect">
+            <a:avLst/>
+          </a:prstGeom>
+        </p:spPr>
+      </p:pic>
+      <p:pic>
+        <p:nvPicPr>
+          <p:cNvPr id="5" name="Picture 4"/>
+          <p:cNvPicPr>
+            <a:picLocks noChangeAspect="1"/>
+          </p:cNvPicPr>
+          <p:nvPr/>
+        </p:nvPicPr>
+        <p:blipFill>
+          <a:blip r:embed="rId3"/>
+          <a:stretch>
+            <a:fillRect/>
+          </a:stretch>
+        </p:blipFill>
+        <p:spPr>
+          <a:xfrm>
+            <a:off x="6095999" y="2714698"/>
+            <a:ext cx="4677561" cy="3323637"/>
+          </a:xfrm>
+          <a:prstGeom prst="rect">
+            <a:avLst/>
+          </a:prstGeom>
+        </p:spPr>
+      </p:pic>
+      <p:sp>
+        <p:nvSpPr>
+          <p:cNvPr id="6" name="TextBox 5"/>
+          <p:cNvSpPr txBox="1"/>
+          <p:nvPr/>
+        </p:nvSpPr>
+        <p:spPr>
+          <a:xfrm>
+            <a:off x="0" y="1383957"/>
+            <a:ext cx="11768883" cy="369332"/>
+          </a:xfrm>
+          <a:prstGeom prst="rect">
+            <a:avLst/>
+          </a:prstGeom>
+          <a:noFill/>
+        </p:spPr>
+        <p:txBody>
+          <a:bodyPr wrap="square" rtlCol="0">
+            <a:spAutoFit/>
+          </a:bodyPr>
+          <a:lstStyle/>
+          <a:p>
+            <a:r>
+              <a:rPr lang="en-IN" b="1" dirty="0" err="1" smtClean="0"/>
+              <a:t>Github</a:t>
+            </a:r>
+            <a:r>
+              <a:rPr lang="en-IN" b="1" dirty="0" smtClean="0"/>
+              <a:t> Link: https://github.com/neelshah124/SGP-IV-Power-BI-data/tree/main</a:t>
+            </a:r>
+            <a:endParaRPr lang="en-IN" b="1" dirty="0"/>
+          </a:p>
+        </p:txBody>
+      </p:sp>
+      <p:sp>
+        <p:nvSpPr>
+          <p:cNvPr id="3" name="TextBox 2"/>
+          <p:cNvSpPr txBox="1"/>
+          <p:nvPr/>
+        </p:nvSpPr>
+        <p:spPr>
+          <a:xfrm>
+            <a:off x="420130" y="6301946"/>
+            <a:ext cx="6285470" cy="369332"/>
+          </a:xfrm>
+          <a:prstGeom prst="rect">
+            <a:avLst/>
+          </a:prstGeom>
+          <a:noFill/>
+        </p:spPr>
+        <p:txBody>
+          <a:bodyPr wrap="square" rtlCol="0">
+            <a:spAutoFit/>
+          </a:bodyPr>
+          <a:lstStyle/>
+          <a:p>
+            <a:r>
+              <a:rPr lang="en-IN" dirty="0" smtClean="0"/>
+              <a:t>Learning outcome</a:t>
+            </a:r>
+            <a:endParaRPr lang="en-IN" dirty="0"/>
+          </a:p>
+        </p:txBody>
+      </p:sp>
+    </p:spTree>
+    <p:extLst>
+      <p:ext uri="{BB962C8B-B14F-4D97-AF65-F5344CB8AC3E}">
+        <p14:creationId xmlns:p14="http://schemas.microsoft.com/office/powerpoint/2010/main" val="736785092"/>
       </p:ext>
     </p:extLst>
   </p:cSld>
@@ -6319,19 +6927,14 @@
             <p:ph type="title"/>
           </p:nvPr>
         </p:nvSpPr>
-        <p:spPr>
-          <a:xfrm>
-            <a:off x="0" y="413507"/>
-            <a:ext cx="10571998" cy="970450"/>
-          </a:xfrm>
-        </p:spPr>
+        <p:spPr/>
         <p:txBody>
           <a:bodyPr/>
           <a:lstStyle/>
           <a:p>
             <a:r>
               <a:rPr lang="en-IN" dirty="0" smtClean="0"/>
-              <a:t>Thank You! </a:t>
+              <a:t>Revenue Model</a:t>
             </a:r>
             <a:endParaRPr lang="en-IN" dirty="0"/>
           </a:p>
@@ -6339,62 +6942,57 @@
       </p:sp>
       <p:pic>
         <p:nvPicPr>
-          <p:cNvPr id="4" name="Picture 3"/>
+          <p:cNvPr id="1026" name="Picture 2" descr="Revenue Model Framework Guide | Lucidity"/>
           <p:cNvPicPr>
-            <a:picLocks noChangeAspect="1"/>
+            <a:picLocks noGrp="1" noChangeAspect="1" noChangeArrowheads="1"/>
           </p:cNvPicPr>
-          <p:nvPr/>
+          <p:nvPr>
+            <p:ph idx="1"/>
+          </p:nvPr>
         </p:nvPicPr>
         <p:blipFill>
-          <a:blip r:embed="rId2"/>
+          <a:blip r:embed="rId2">
+            <a:extLst>
+              <a:ext uri="{28A0092B-C50C-407E-A947-70E740481C1C}">
+                <a14:useLocalDpi xmlns:a14="http://schemas.microsoft.com/office/drawing/2010/main" val="0"/>
+              </a:ext>
+            </a:extLst>
+          </a:blip>
+          <a:srcRect/>
           <a:stretch>
             <a:fillRect/>
           </a:stretch>
         </p:blipFill>
-        <p:spPr>
+        <p:spPr bwMode="auto">
           <a:xfrm>
-            <a:off x="233647" y="2718486"/>
-            <a:ext cx="4638914" cy="3319849"/>
+            <a:off x="140043" y="2230738"/>
+            <a:ext cx="5080223" cy="4473371"/>
           </a:xfrm>
           <a:prstGeom prst="rect">
             <a:avLst/>
           </a:prstGeom>
+          <a:noFill/>
+          <a:extLst>
+            <a:ext uri="{909E8E84-426E-40DD-AFC4-6F175D3DCCD1}">
+              <a14:hiddenFill xmlns:a14="http://schemas.microsoft.com/office/drawing/2010/main">
+                <a:solidFill>
+                  <a:srgbClr val="FFFFFF"/>
+                </a:solidFill>
+              </a14:hiddenFill>
+            </a:ext>
+          </a:extLst>
         </p:spPr>
       </p:pic>
-      <p:pic>
-        <p:nvPicPr>
-          <p:cNvPr id="5" name="Picture 4"/>
-          <p:cNvPicPr>
-            <a:picLocks noChangeAspect="1"/>
-          </p:cNvPicPr>
+      <p:sp>
+        <p:nvSpPr>
+          <p:cNvPr id="4" name="TextBox 3"/>
+          <p:cNvSpPr txBox="1"/>
           <p:nvPr/>
-        </p:nvPicPr>
-        <p:blipFill>
-          <a:blip r:embed="rId3"/>
-          <a:stretch>
-            <a:fillRect/>
-          </a:stretch>
-        </p:blipFill>
+        </p:nvSpPr>
         <p:spPr>
           <a:xfrm>
-            <a:off x="6095999" y="2714698"/>
-            <a:ext cx="4677561" cy="3323637"/>
-          </a:xfrm>
-          <a:prstGeom prst="rect">
-            <a:avLst/>
-          </a:prstGeom>
-        </p:spPr>
-      </p:pic>
-      <p:sp>
-        <p:nvSpPr>
-          <p:cNvPr id="6" name="TextBox 5"/>
-          <p:cNvSpPr txBox="1"/>
-          <p:nvPr/>
-        </p:nvSpPr>
-        <p:spPr>
-          <a:xfrm>
-            <a:off x="0" y="1383957"/>
-            <a:ext cx="11768883" cy="369332"/>
+            <a:off x="5412259" y="2356022"/>
+            <a:ext cx="6598509" cy="3139321"/>
           </a:xfrm>
           <a:prstGeom prst="rect">
             <a:avLst/>
@@ -6408,42 +7006,92 @@
           <a:lstStyle/>
           <a:p>
             <a:r>
-              <a:rPr lang="en-IN" b="1" dirty="0" err="1" smtClean="0"/>
-              <a:t>Github</a:t>
-            </a:r>
-            <a:r>
-              <a:rPr lang="en-IN" b="1" dirty="0" smtClean="0"/>
-              <a:t> Link: https://github.com/neelshah124/SGP-IV-Power-BI-data/tree/main</a:t>
-            </a:r>
-            <a:endParaRPr lang="en-IN" b="1" dirty="0"/>
-          </a:p>
-        </p:txBody>
-      </p:sp>
-      <p:sp>
-        <p:nvSpPr>
-          <p:cNvPr id="3" name="TextBox 2"/>
-          <p:cNvSpPr txBox="1"/>
-          <p:nvPr/>
-        </p:nvSpPr>
-        <p:spPr>
-          <a:xfrm>
-            <a:off x="420130" y="6301946"/>
-            <a:ext cx="6285470" cy="369332"/>
-          </a:xfrm>
-          <a:prstGeom prst="rect">
-            <a:avLst/>
-          </a:prstGeom>
-          <a:noFill/>
-        </p:spPr>
-        <p:txBody>
-          <a:bodyPr wrap="square" rtlCol="0">
-            <a:spAutoFit/>
-          </a:bodyPr>
-          <a:lstStyle/>
-          <a:p>
-            <a:r>
               <a:rPr lang="en-IN" dirty="0" smtClean="0"/>
-              <a:t>Learning outcome</a:t>
+              <a:t>What’s Paid? </a:t>
+            </a:r>
+          </a:p>
+          <a:p>
+            <a:r>
+              <a:rPr lang="en-IN" dirty="0" smtClean="0"/>
+              <a:t>Data:</a:t>
+            </a:r>
+          </a:p>
+          <a:p>
+            <a:r>
+              <a:rPr lang="en-IN" dirty="0" smtClean="0"/>
+              <a:t>Data from private organizations or institutes sell data to third party organizations.</a:t>
+            </a:r>
+          </a:p>
+          <a:p>
+            <a:r>
+              <a:rPr lang="en-IN" dirty="0" err="1" smtClean="0"/>
+              <a:t>Eg</a:t>
+            </a:r>
+            <a:r>
+              <a:rPr lang="en-IN" dirty="0" smtClean="0"/>
+              <a:t>: IT companies, Hospitals, Agro Industries, </a:t>
+            </a:r>
+            <a:r>
+              <a:rPr lang="en-IN" dirty="0" err="1" smtClean="0"/>
+              <a:t>etc</a:t>
+            </a:r>
+            <a:r>
+              <a:rPr lang="en-IN" dirty="0" smtClean="0"/>
+              <a:t>…</a:t>
+            </a:r>
+          </a:p>
+          <a:p>
+            <a:endParaRPr lang="en-IN" dirty="0"/>
+          </a:p>
+          <a:p>
+            <a:r>
+              <a:rPr lang="en-IN" dirty="0" smtClean="0"/>
+              <a:t>Data from Govt. and Non- </a:t>
+            </a:r>
+            <a:r>
+              <a:rPr lang="en-IN" dirty="0" err="1" smtClean="0"/>
+              <a:t>Govt</a:t>
+            </a:r>
+            <a:r>
+              <a:rPr lang="en-IN" dirty="0" smtClean="0"/>
+              <a:t> organizations can be acquired for free partially.</a:t>
+            </a:r>
+          </a:p>
+          <a:p>
+            <a:endParaRPr lang="en-IN" dirty="0"/>
+          </a:p>
+          <a:p>
+            <a:r>
+              <a:rPr lang="en-IN" dirty="0" err="1" smtClean="0"/>
+              <a:t>Eg</a:t>
+            </a:r>
+            <a:r>
+              <a:rPr lang="en-IN" dirty="0" smtClean="0"/>
+              <a:t>: RBI, SEBI, NSDL, NDC, </a:t>
+            </a:r>
+            <a:r>
+              <a:rPr lang="en-IN" dirty="0" err="1" smtClean="0"/>
+              <a:t>HelpAgeIndia</a:t>
+            </a:r>
+            <a:r>
+              <a:rPr lang="en-IN" dirty="0" smtClean="0"/>
+              <a:t>, </a:t>
+            </a:r>
+            <a:r>
+              <a:rPr lang="en-IN" dirty="0" err="1" smtClean="0"/>
+              <a:t>Redcross</a:t>
+            </a:r>
+            <a:r>
+              <a:rPr lang="en-IN" dirty="0" smtClean="0"/>
+              <a:t> Society, UNESCO, World Bank, IMF, </a:t>
+            </a:r>
+            <a:r>
+              <a:rPr lang="en-IN" dirty="0" err="1" smtClean="0"/>
+              <a:t>etc</a:t>
+            </a:r>
+            <a:r>
+              <a:rPr lang="en-IN" dirty="0" smtClean="0"/>
+              <a:t>…</a:t>
             </a:r>
             <a:endParaRPr lang="en-IN" dirty="0"/>
           </a:p>
@@ -6452,20 +7100,271 @@
     </p:spTree>
     <p:extLst>
       <p:ext uri="{BB962C8B-B14F-4D97-AF65-F5344CB8AC3E}">
-        <p14:creationId xmlns:p14="http://schemas.microsoft.com/office/powerpoint/2010/main" val="736785092"/>
+        <p14:creationId xmlns:p14="http://schemas.microsoft.com/office/powerpoint/2010/main" val="490334385"/>
       </p:ext>
     </p:extLst>
   </p:cSld>
   <p:clrMapOvr>
     <a:masterClrMapping/>
   </p:clrMapOvr>
-  <p:timing>
-    <p:tnLst>
-      <p:par>
-        <p:cTn id="1" dur="indefinite" restart="never" nodeType="tmRoot"/>
-      </p:par>
-    </p:tnLst>
-  </p:timing>
+</p:sld>
+</file>
+
+<file path=ppt/slides/slide8.xml><?xml version="1.0" encoding="utf-8"?>
+<p:sld xmlns:a="http://schemas.openxmlformats.org/drawingml/2006/main" xmlns:r="http://schemas.openxmlformats.org/officeDocument/2006/relationships" xmlns:p="http://schemas.openxmlformats.org/presentationml/2006/main">
+  <p:cSld>
+    <p:spTree>
+      <p:nvGrpSpPr>
+        <p:cNvPr id="1" name=""/>
+        <p:cNvGrpSpPr/>
+        <p:nvPr/>
+      </p:nvGrpSpPr>
+      <p:grpSpPr>
+        <a:xfrm>
+          <a:off x="0" y="0"/>
+          <a:ext cx="0" cy="0"/>
+          <a:chOff x="0" y="0"/>
+          <a:chExt cx="0" cy="0"/>
+        </a:xfrm>
+      </p:grpSpPr>
+      <p:sp>
+        <p:nvSpPr>
+          <p:cNvPr id="2" name="Title 1"/>
+          <p:cNvSpPr>
+            <a:spLocks noGrp="1"/>
+          </p:cNvSpPr>
+          <p:nvPr>
+            <p:ph type="title"/>
+          </p:nvPr>
+        </p:nvSpPr>
+        <p:spPr/>
+        <p:txBody>
+          <a:bodyPr/>
+          <a:lstStyle/>
+          <a:p>
+            <a:r>
+              <a:rPr lang="en-IN" dirty="0" smtClean="0"/>
+              <a:t>For what is paid?</a:t>
+            </a:r>
+            <a:endParaRPr lang="en-IN" dirty="0"/>
+          </a:p>
+        </p:txBody>
+      </p:sp>
+      <p:sp>
+        <p:nvSpPr>
+          <p:cNvPr id="3" name="Content Placeholder 2"/>
+          <p:cNvSpPr>
+            <a:spLocks noGrp="1"/>
+          </p:cNvSpPr>
+          <p:nvPr>
+            <p:ph idx="1"/>
+          </p:nvPr>
+        </p:nvSpPr>
+        <p:spPr/>
+        <p:txBody>
+          <a:bodyPr/>
+          <a:lstStyle/>
+          <a:p>
+            <a:r>
+              <a:rPr lang="en-IN" dirty="0" smtClean="0"/>
+              <a:t>The data extracted from licensed or private institutes or organizations demands hefty amount of Money.</a:t>
+            </a:r>
+          </a:p>
+          <a:p>
+            <a:r>
+              <a:rPr lang="en-IN" dirty="0" smtClean="0"/>
+              <a:t>This can be paid By Financial Transactions, either ways it can be paid by an agreement on data exchange or it is paid by exchange of products or services.</a:t>
+            </a:r>
+          </a:p>
+          <a:p>
+            <a:r>
+              <a:rPr lang="en-IN" dirty="0" err="1" smtClean="0"/>
+              <a:t>Eg</a:t>
+            </a:r>
+            <a:r>
+              <a:rPr lang="en-IN" dirty="0" smtClean="0"/>
+              <a:t>: Cambridge </a:t>
+            </a:r>
+            <a:r>
+              <a:rPr lang="en-IN" dirty="0" err="1" smtClean="0"/>
+              <a:t>analytica</a:t>
+            </a:r>
+            <a:r>
+              <a:rPr lang="en-IN" dirty="0" smtClean="0"/>
+              <a:t>, Foxconn – Famous Electronics contract manufacturer,</a:t>
+            </a:r>
+          </a:p>
+          <a:p>
+            <a:r>
+              <a:rPr lang="en-IN" dirty="0" smtClean="0"/>
+              <a:t>Acxiom : Georgia based Big data Broker Company</a:t>
+            </a:r>
+          </a:p>
+          <a:p>
+            <a:r>
+              <a:rPr lang="en-IN" dirty="0" smtClean="0"/>
+              <a:t>Equifax, </a:t>
+            </a:r>
+            <a:r>
+              <a:rPr lang="en-IN" dirty="0" err="1" smtClean="0"/>
+              <a:t>Corelogic</a:t>
+            </a:r>
+            <a:r>
+              <a:rPr lang="en-IN" dirty="0" smtClean="0"/>
+              <a:t>, etc.</a:t>
+            </a:r>
+            <a:endParaRPr lang="en-IN" dirty="0"/>
+          </a:p>
+        </p:txBody>
+      </p:sp>
+    </p:spTree>
+    <p:extLst>
+      <p:ext uri="{BB962C8B-B14F-4D97-AF65-F5344CB8AC3E}">
+        <p14:creationId xmlns:p14="http://schemas.microsoft.com/office/powerpoint/2010/main" val="932377411"/>
+      </p:ext>
+    </p:extLst>
+  </p:cSld>
+  <p:clrMapOvr>
+    <a:masterClrMapping/>
+  </p:clrMapOvr>
+</p:sld>
+</file>
+
+<file path=ppt/slides/slide9.xml><?xml version="1.0" encoding="utf-8"?>
+<p:sld xmlns:a="http://schemas.openxmlformats.org/drawingml/2006/main" xmlns:r="http://schemas.openxmlformats.org/officeDocument/2006/relationships" xmlns:p="http://schemas.openxmlformats.org/presentationml/2006/main">
+  <p:cSld>
+    <p:spTree>
+      <p:nvGrpSpPr>
+        <p:cNvPr id="1" name=""/>
+        <p:cNvGrpSpPr/>
+        <p:nvPr/>
+      </p:nvGrpSpPr>
+      <p:grpSpPr>
+        <a:xfrm>
+          <a:off x="0" y="0"/>
+          <a:ext cx="0" cy="0"/>
+          <a:chOff x="0" y="0"/>
+          <a:chExt cx="0" cy="0"/>
+        </a:xfrm>
+      </p:grpSpPr>
+      <p:sp>
+        <p:nvSpPr>
+          <p:cNvPr id="2" name="Title 1"/>
+          <p:cNvSpPr>
+            <a:spLocks noGrp="1"/>
+          </p:cNvSpPr>
+          <p:nvPr>
+            <p:ph type="title"/>
+          </p:nvPr>
+        </p:nvSpPr>
+        <p:spPr/>
+        <p:txBody>
+          <a:bodyPr/>
+          <a:lstStyle/>
+          <a:p>
+            <a:r>
+              <a:rPr lang="en-IN" dirty="0" smtClean="0"/>
+              <a:t>Who pays and how much?</a:t>
+            </a:r>
+            <a:endParaRPr lang="en-IN" dirty="0"/>
+          </a:p>
+        </p:txBody>
+      </p:sp>
+      <p:sp>
+        <p:nvSpPr>
+          <p:cNvPr id="3" name="Content Placeholder 2"/>
+          <p:cNvSpPr>
+            <a:spLocks noGrp="1"/>
+          </p:cNvSpPr>
+          <p:nvPr>
+            <p:ph idx="1"/>
+          </p:nvPr>
+        </p:nvSpPr>
+        <p:spPr/>
+        <p:txBody>
+          <a:bodyPr>
+            <a:normAutofit lnSpcReduction="10000"/>
+          </a:bodyPr>
+          <a:lstStyle/>
+          <a:p>
+            <a:r>
+              <a:rPr lang="en-US" dirty="0"/>
+              <a:t>In the last 2 years, 90% of the world’s data has been created and businesses are spending more than $180 billion a year on big data analysis</a:t>
+            </a:r>
+          </a:p>
+          <a:p>
+            <a:r>
+              <a:rPr lang="en-US" dirty="0"/>
+              <a:t>The term Big Data has been around for some time now, but it has taken a whole new meaning today when people share 500 terabytes of data per day just on Facebook. And on YouTube, there are over 300 hours of video shared every minute</a:t>
+            </a:r>
+            <a:r>
+              <a:rPr lang="en-US" dirty="0" smtClean="0"/>
+              <a:t>!</a:t>
+            </a:r>
+          </a:p>
+          <a:p>
+            <a:r>
+              <a:rPr lang="en-US" dirty="0"/>
+              <a:t>The email address of a single internet user is worth $89 to any brand</a:t>
+            </a:r>
+          </a:p>
+          <a:p>
+            <a:r>
+              <a:rPr lang="en-US" dirty="0"/>
+              <a:t>If the collective revenue of digital advertising companies in the US is put together, the data generated from an adult would be worth about $35 per month</a:t>
+            </a:r>
+            <a:r>
+              <a:rPr lang="en-US" dirty="0" smtClean="0"/>
+              <a:t>. According to “</a:t>
+            </a:r>
+            <a:r>
+              <a:rPr lang="en-US" dirty="0" err="1" smtClean="0"/>
+              <a:t>pawtocol</a:t>
+            </a:r>
+            <a:r>
+              <a:rPr lang="en-US" dirty="0" smtClean="0"/>
+              <a:t>”</a:t>
+            </a:r>
+          </a:p>
+          <a:p>
+            <a:r>
+              <a:rPr lang="en-US" dirty="0" err="1"/>
+              <a:t>Pawtocol</a:t>
+            </a:r>
+            <a:r>
+              <a:rPr lang="en-US" dirty="0"/>
+              <a:t> is a global online community of pet lovers who are disrupting the pet industry by leveraging </a:t>
+            </a:r>
+            <a:r>
+              <a:rPr lang="en-US" dirty="0" smtClean="0"/>
+              <a:t>block chain </a:t>
+            </a:r>
+            <a:r>
+              <a:rPr lang="en-US" dirty="0"/>
+              <a:t>technology while monetizing data about their pets. Data is aggregated from IOT devices like our </a:t>
+            </a:r>
+            <a:r>
+              <a:rPr lang="en-US" dirty="0" smtClean="0"/>
+              <a:t>Block chain </a:t>
+            </a:r>
+            <a:r>
+              <a:rPr lang="en-US" dirty="0"/>
+              <a:t>Pet Tag</a:t>
+            </a:r>
+            <a:endParaRPr lang="en-US" b="1" dirty="0" smtClean="0"/>
+          </a:p>
+        </p:txBody>
+      </p:sp>
+    </p:spTree>
+    <p:extLst>
+      <p:ext uri="{BB962C8B-B14F-4D97-AF65-F5344CB8AC3E}">
+        <p14:creationId xmlns:p14="http://schemas.microsoft.com/office/powerpoint/2010/main" val="3442234123"/>
+      </p:ext>
+    </p:extLst>
+  </p:cSld>
+  <p:clrMapOvr>
+    <a:masterClrMapping/>
+  </p:clrMapOvr>
 </p:sld>
 </file>
 
